--- a/07-item-allocation-with-money/slides-1-auction.pptx
+++ b/07-item-allocation-with-money/slides-1-auction.pptx
@@ -124,6 +124,11 @@
       </a:defRPr>
     </a:lvl9pPr>
   </p:defaultTextStyle>
+  <p:extLst>
+    <p:ext uri="{EFAFB233-063F-42B5-8137-9DF3F51BA10A}">
+      <p15:sldGuideLst xmlns:p15="http://schemas.microsoft.com/office/powerpoint/2012/main"/>
+    </p:ext>
+  </p:extLst>
 </p:presentation>
 </file>
 
@@ -14220,7 +14225,7 @@
       </p:sp>
       <p:pic>
         <p:nvPicPr>
-          <p:cNvPr id="5" name="">
+          <p:cNvPr id="5" name="Picture 4">
             <a:extLst>
               <a:ext uri="{FF2B5EF4-FFF2-40B4-BE49-F238E27FC236}">
                 <a16:creationId xmlns:a16="http://schemas.microsoft.com/office/drawing/2014/main" id="{1814AF33-C5F7-61B8-DDCD-925AEFF9D34D}"/>
@@ -17683,7 +17688,27 @@
                 <a:latin typeface="Liberation Sans" pitchFamily="34"/>
                 <a:cs typeface="Liberation Sans" pitchFamily="34"/>
               </a:rPr>
-              <a:t> = ערך + כסף = ערך - מחיר)</a:t>
+              <a:t> = ערך + תקבול</a:t>
+            </a:r>
+            <a:r>
+              <a:rPr lang="he-IL" sz="600">
+                <a:solidFill>
+                  <a:srgbClr val="FF0000"/>
+                </a:solidFill>
+                <a:latin typeface="Liberation Sans" pitchFamily="34"/>
+                <a:cs typeface="Liberation Sans" pitchFamily="34"/>
+              </a:rPr>
+              <a:t> (כסף)</a:t>
+            </a:r>
+            <a:r>
+              <a:rPr lang="he-IL" sz="3600">
+                <a:solidFill>
+                  <a:srgbClr val="FF0000"/>
+                </a:solidFill>
+                <a:latin typeface="Liberation Sans" pitchFamily="34"/>
+                <a:cs typeface="Liberation Sans" pitchFamily="34"/>
+              </a:rPr>
+              <a:t> = ערך - תשלום)</a:t>
             </a:r>
           </a:p>
         </p:txBody>
@@ -18052,7 +18077,7 @@
                 <a:ea typeface="DejaVu Sans" pitchFamily="2"/>
                 <a:cs typeface="Liberation Sans" pitchFamily="34"/>
               </a:rPr>
-              <a:t>שחקן ב יכול לקנות אם </a:t>
+              <a:t>שחקן ב יכול לקנות אם ורק אם </a:t>
             </a:r>
             <a:r>
               <a:rPr lang="en-US" sz="3600">
